--- a/Docs/Hypothesis Testing and ANOVA .pptx
+++ b/Docs/Hypothesis Testing and ANOVA .pptx
@@ -247,7 +247,7 @@
           <a:p>
             <a:fld id="{EF6C100F-DE61-4D54-8450-A9B8CE5023B1}" type="datetimeFigureOut">
               <a:rPr lang="en-US" smtClean="0"/>
-              <a:t>7/10/2020</a:t>
+              <a:t>1/1/2021</a:t>
             </a:fld>
             <a:endParaRPr lang="en-US"/>
           </a:p>
@@ -4255,7 +4255,7 @@
           <a:p>
             <a:fld id="{5D8468DF-067B-4708-BF4E-888660123DFC}" type="datetimeFigureOut">
               <a:rPr lang="en-US" smtClean="0"/>
-              <a:t>7/10/2020</a:t>
+              <a:t>1/1/2021</a:t>
             </a:fld>
             <a:endParaRPr lang="en-US"/>
           </a:p>
@@ -4423,7 +4423,7 @@
           <a:p>
             <a:fld id="{5D8468DF-067B-4708-BF4E-888660123DFC}" type="datetimeFigureOut">
               <a:rPr lang="en-US" smtClean="0"/>
-              <a:t>7/10/2020</a:t>
+              <a:t>1/1/2021</a:t>
             </a:fld>
             <a:endParaRPr lang="en-US"/>
           </a:p>
@@ -4601,7 +4601,7 @@
           <a:p>
             <a:fld id="{5D8468DF-067B-4708-BF4E-888660123DFC}" type="datetimeFigureOut">
               <a:rPr lang="en-US" smtClean="0"/>
-              <a:t>7/10/2020</a:t>
+              <a:t>1/1/2021</a:t>
             </a:fld>
             <a:endParaRPr lang="en-US"/>
           </a:p>
@@ -4791,7 +4791,7 @@
           <a:p>
             <a:fld id="{5D8468DF-067B-4708-BF4E-888660123DFC}" type="datetimeFigureOut">
               <a:rPr lang="en-US" smtClean="0"/>
-              <a:t>7/10/2020</a:t>
+              <a:t>1/1/2021</a:t>
             </a:fld>
             <a:endParaRPr lang="en-US"/>
           </a:p>
@@ -4959,7 +4959,7 @@
           <a:p>
             <a:fld id="{5D8468DF-067B-4708-BF4E-888660123DFC}" type="datetimeFigureOut">
               <a:rPr lang="en-US" smtClean="0"/>
-              <a:t>7/10/2020</a:t>
+              <a:t>1/1/2021</a:t>
             </a:fld>
             <a:endParaRPr lang="en-US"/>
           </a:p>
@@ -5204,7 +5204,7 @@
           <a:p>
             <a:fld id="{5D8468DF-067B-4708-BF4E-888660123DFC}" type="datetimeFigureOut">
               <a:rPr lang="en-US" smtClean="0"/>
-              <a:t>7/10/2020</a:t>
+              <a:t>1/1/2021</a:t>
             </a:fld>
             <a:endParaRPr lang="en-US"/>
           </a:p>
@@ -5433,7 +5433,7 @@
           <a:p>
             <a:fld id="{5D8468DF-067B-4708-BF4E-888660123DFC}" type="datetimeFigureOut">
               <a:rPr lang="en-US" smtClean="0"/>
-              <a:t>7/10/2020</a:t>
+              <a:t>1/1/2021</a:t>
             </a:fld>
             <a:endParaRPr lang="en-US"/>
           </a:p>
@@ -5797,7 +5797,7 @@
           <a:p>
             <a:fld id="{5D8468DF-067B-4708-BF4E-888660123DFC}" type="datetimeFigureOut">
               <a:rPr lang="en-US" smtClean="0"/>
-              <a:t>7/10/2020</a:t>
+              <a:t>1/1/2021</a:t>
             </a:fld>
             <a:endParaRPr lang="en-US"/>
           </a:p>
@@ -5914,7 +5914,7 @@
           <a:p>
             <a:fld id="{5D8468DF-067B-4708-BF4E-888660123DFC}" type="datetimeFigureOut">
               <a:rPr lang="en-US" smtClean="0"/>
-              <a:t>7/10/2020</a:t>
+              <a:t>1/1/2021</a:t>
             </a:fld>
             <a:endParaRPr lang="en-US"/>
           </a:p>
@@ -6009,7 +6009,7 @@
           <a:p>
             <a:fld id="{5D8468DF-067B-4708-BF4E-888660123DFC}" type="datetimeFigureOut">
               <a:rPr lang="en-US" smtClean="0"/>
-              <a:t>7/10/2020</a:t>
+              <a:t>1/1/2021</a:t>
             </a:fld>
             <a:endParaRPr lang="en-US"/>
           </a:p>
@@ -6284,7 +6284,7 @@
           <a:p>
             <a:fld id="{5D8468DF-067B-4708-BF4E-888660123DFC}" type="datetimeFigureOut">
               <a:rPr lang="en-US" smtClean="0"/>
-              <a:t>7/10/2020</a:t>
+              <a:t>1/1/2021</a:t>
             </a:fld>
             <a:endParaRPr lang="en-US"/>
           </a:p>
@@ -6452,7 +6452,7 @@
           <a:p>
             <a:fld id="{5D8468DF-067B-4708-BF4E-888660123DFC}" type="datetimeFigureOut">
               <a:rPr lang="en-US" smtClean="0"/>
-              <a:t>7/10/2020</a:t>
+              <a:t>1/1/2021</a:t>
             </a:fld>
             <a:endParaRPr lang="en-US"/>
           </a:p>
@@ -6704,7 +6704,7 @@
           <a:p>
             <a:fld id="{5D8468DF-067B-4708-BF4E-888660123DFC}" type="datetimeFigureOut">
               <a:rPr lang="en-US" smtClean="0"/>
-              <a:t>7/10/2020</a:t>
+              <a:t>1/1/2021</a:t>
             </a:fld>
             <a:endParaRPr lang="en-US"/>
           </a:p>
@@ -6872,7 +6872,7 @@
           <a:p>
             <a:fld id="{5D8468DF-067B-4708-BF4E-888660123DFC}" type="datetimeFigureOut">
               <a:rPr lang="en-US" smtClean="0"/>
-              <a:t>7/10/2020</a:t>
+              <a:t>1/1/2021</a:t>
             </a:fld>
             <a:endParaRPr lang="en-US"/>
           </a:p>
@@ -7050,7 +7050,7 @@
           <a:p>
             <a:fld id="{5D8468DF-067B-4708-BF4E-888660123DFC}" type="datetimeFigureOut">
               <a:rPr lang="en-US" smtClean="0"/>
-              <a:t>7/10/2020</a:t>
+              <a:t>1/1/2021</a:t>
             </a:fld>
             <a:endParaRPr lang="en-US"/>
           </a:p>
@@ -7295,7 +7295,7 @@
           <a:p>
             <a:fld id="{5D8468DF-067B-4708-BF4E-888660123DFC}" type="datetimeFigureOut">
               <a:rPr lang="en-US" smtClean="0"/>
-              <a:t>7/10/2020</a:t>
+              <a:t>1/1/2021</a:t>
             </a:fld>
             <a:endParaRPr lang="en-US"/>
           </a:p>
@@ -7524,7 +7524,7 @@
           <a:p>
             <a:fld id="{5D8468DF-067B-4708-BF4E-888660123DFC}" type="datetimeFigureOut">
               <a:rPr lang="en-US" smtClean="0"/>
-              <a:t>7/10/2020</a:t>
+              <a:t>1/1/2021</a:t>
             </a:fld>
             <a:endParaRPr lang="en-US"/>
           </a:p>
@@ -7888,7 +7888,7 @@
           <a:p>
             <a:fld id="{5D8468DF-067B-4708-BF4E-888660123DFC}" type="datetimeFigureOut">
               <a:rPr lang="en-US" smtClean="0"/>
-              <a:t>7/10/2020</a:t>
+              <a:t>1/1/2021</a:t>
             </a:fld>
             <a:endParaRPr lang="en-US"/>
           </a:p>
@@ -8005,7 +8005,7 @@
           <a:p>
             <a:fld id="{5D8468DF-067B-4708-BF4E-888660123DFC}" type="datetimeFigureOut">
               <a:rPr lang="en-US" smtClean="0"/>
-              <a:t>7/10/2020</a:t>
+              <a:t>1/1/2021</a:t>
             </a:fld>
             <a:endParaRPr lang="en-US"/>
           </a:p>
@@ -8100,7 +8100,7 @@
           <a:p>
             <a:fld id="{5D8468DF-067B-4708-BF4E-888660123DFC}" type="datetimeFigureOut">
               <a:rPr lang="en-US" smtClean="0"/>
-              <a:t>7/10/2020</a:t>
+              <a:t>1/1/2021</a:t>
             </a:fld>
             <a:endParaRPr lang="en-US"/>
           </a:p>
@@ -8375,7 +8375,7 @@
           <a:p>
             <a:fld id="{5D8468DF-067B-4708-BF4E-888660123DFC}" type="datetimeFigureOut">
               <a:rPr lang="en-US" smtClean="0"/>
-              <a:t>7/10/2020</a:t>
+              <a:t>1/1/2021</a:t>
             </a:fld>
             <a:endParaRPr lang="en-US"/>
           </a:p>
@@ -8627,7 +8627,7 @@
           <a:p>
             <a:fld id="{5D8468DF-067B-4708-BF4E-888660123DFC}" type="datetimeFigureOut">
               <a:rPr lang="en-US" smtClean="0"/>
-              <a:t>7/10/2020</a:t>
+              <a:t>1/1/2021</a:t>
             </a:fld>
             <a:endParaRPr lang="en-US"/>
           </a:p>
@@ -8838,7 +8838,7 @@
           <a:p>
             <a:fld id="{5D8468DF-067B-4708-BF4E-888660123DFC}" type="datetimeFigureOut">
               <a:rPr lang="en-US" smtClean="0"/>
-              <a:t>7/10/2020</a:t>
+              <a:t>1/1/2021</a:t>
             </a:fld>
             <a:endParaRPr lang="en-US"/>
           </a:p>
@@ -9376,7 +9376,7 @@
           <a:p>
             <a:fld id="{5D8468DF-067B-4708-BF4E-888660123DFC}" type="datetimeFigureOut">
               <a:rPr lang="en-US" smtClean="0"/>
-              <a:t>7/10/2020</a:t>
+              <a:t>1/1/2021</a:t>
             </a:fld>
             <a:endParaRPr lang="en-US"/>
           </a:p>
@@ -12854,7 +12854,7 @@
           <a:p>
             <a:r>
               <a:rPr lang="en-US" dirty="0"/>
-              <a:t>One Way ANOVA Modelling</a:t>
+              <a:t>One Way ANOVA Modeling</a:t>
             </a:r>
           </a:p>
         </p:txBody>
@@ -13737,7 +13737,7 @@
           <a:p>
             <a:r>
               <a:rPr lang="en-US" dirty="0"/>
-              <a:t>One Way ANOVA Modelling</a:t>
+              <a:t>One Way ANOVA Modeling</a:t>
             </a:r>
           </a:p>
         </p:txBody>
@@ -14027,7 +14027,7 @@
           <a:p>
             <a:r>
               <a:rPr lang="en-US" dirty="0"/>
-              <a:t>One Way ANOVA Modelling</a:t>
+              <a:t>One Way ANOVA Modeling</a:t>
             </a:r>
           </a:p>
         </p:txBody>
@@ -14221,7 +14221,7 @@
           <a:p>
             <a:r>
               <a:rPr lang="en-US" dirty="0"/>
-              <a:t>One Way ANOVA Modelling</a:t>
+              <a:t>One Way ANOVA Modeling</a:t>
             </a:r>
           </a:p>
         </p:txBody>
@@ -14566,7 +14566,7 @@
           <a:p>
             <a:r>
               <a:rPr lang="en-US" dirty="0"/>
-              <a:t>One Way ANOVA Modelling</a:t>
+              <a:t>One Way ANOVA Modeling</a:t>
             </a:r>
           </a:p>
         </p:txBody>
@@ -14756,7 +14756,7 @@
           <a:p>
             <a:r>
               <a:rPr lang="en-US" dirty="0"/>
-              <a:t>One Way ANOVA Modelling</a:t>
+              <a:t>One Way ANOVA Modeling</a:t>
             </a:r>
           </a:p>
         </p:txBody>
@@ -15113,7 +15113,7 @@
           <a:p>
             <a:r>
               <a:rPr lang="en-US" dirty="0"/>
-              <a:t>One Way ANOVA Modelling</a:t>
+              <a:t>One Way ANOVA Modeling</a:t>
             </a:r>
           </a:p>
         </p:txBody>
@@ -15330,7 +15330,7 @@
           <a:p>
             <a:r>
               <a:rPr lang="en-US" dirty="0"/>
-              <a:t>One Way ANOVA Modelling</a:t>
+              <a:t>One Way ANOVA Modeling</a:t>
             </a:r>
           </a:p>
         </p:txBody>
@@ -15520,7 +15520,7 @@
           <a:p>
             <a:r>
               <a:rPr lang="en-US" dirty="0"/>
-              <a:t>One Way ANOVA Modelling</a:t>
+              <a:t>One Way ANOVA Modeling</a:t>
             </a:r>
           </a:p>
         </p:txBody>
@@ -15738,7 +15738,7 @@
           <a:p>
             <a:r>
               <a:rPr lang="en-US" dirty="0"/>
-              <a:t>One Way ANOVA Modelling</a:t>
+              <a:t>One Way ANOVA Modeling</a:t>
             </a:r>
           </a:p>
         </p:txBody>
@@ -15956,7 +15956,7 @@
           <a:p>
             <a:r>
               <a:rPr lang="en-US" dirty="0"/>
-              <a:t>One Way ANOVA Modelling</a:t>
+              <a:t>One Way ANOVA Modeling</a:t>
             </a:r>
           </a:p>
         </p:txBody>
@@ -16168,7 +16168,7 @@
           <a:p>
             <a:r>
               <a:rPr lang="en-US" dirty="0"/>
-              <a:t>One Way ANOVA Modelling</a:t>
+              <a:t>One Way ANOVA Modeling</a:t>
             </a:r>
           </a:p>
         </p:txBody>
@@ -16391,7 +16391,7 @@
           <a:p>
             <a:r>
               <a:rPr lang="en-US" dirty="0"/>
-              <a:t>One Way ANOVA Modelling</a:t>
+              <a:t>One Way ANOVA Modeling</a:t>
             </a:r>
           </a:p>
         </p:txBody>
@@ -16585,7 +16585,7 @@
           <a:p>
             <a:r>
               <a:rPr lang="en-US" dirty="0"/>
-              <a:t>One Way ANOVA Modelling</a:t>
+              <a:t>One Way ANOVA Modeling</a:t>
             </a:r>
           </a:p>
         </p:txBody>
@@ -16811,7 +16811,7 @@
           <a:p>
             <a:r>
               <a:rPr lang="en-US" dirty="0"/>
-              <a:t>One Way ANOVA Modelling</a:t>
+              <a:t>One Way ANOVA Modeling</a:t>
             </a:r>
           </a:p>
         </p:txBody>
@@ -17005,7 +17005,7 @@
           <a:p>
             <a:r>
               <a:rPr lang="en-US" dirty="0"/>
-              <a:t>One Way ANOVA Modelling</a:t>
+              <a:t>One Way ANOVA Modeling</a:t>
             </a:r>
           </a:p>
         </p:txBody>
@@ -17675,7 +17675,7 @@
           <a:p>
             <a:r>
               <a:rPr lang="en-US" dirty="0"/>
-              <a:t>One Way ANOVA Modelling</a:t>
+              <a:t>One Way ANOVA Modeling</a:t>
             </a:r>
           </a:p>
         </p:txBody>
@@ -17869,7 +17869,7 @@
           <a:p>
             <a:r>
               <a:rPr lang="en-US" dirty="0"/>
-              <a:t>One Way ANOVA Modelling</a:t>
+              <a:t>One Way ANOVA Modeling</a:t>
             </a:r>
           </a:p>
         </p:txBody>
@@ -18116,7 +18116,7 @@
           <a:p>
             <a:r>
               <a:rPr lang="en-US" dirty="0"/>
-              <a:t>One Way ANOVA Modelling</a:t>
+              <a:t>One Way ANOVA Modeling</a:t>
             </a:r>
           </a:p>
         </p:txBody>
@@ -18340,7 +18340,7 @@
           <a:p>
             <a:r>
               <a:rPr lang="en-US" dirty="0"/>
-              <a:t>One Way ANOVA Modelling</a:t>
+              <a:t>One Way ANOVA Modeling</a:t>
             </a:r>
           </a:p>
         </p:txBody>
@@ -19110,7 +19110,7 @@
           <a:p>
             <a:r>
               <a:rPr lang="en-US" dirty="0"/>
-              <a:t>Two-Way ANOVA Modelling</a:t>
+              <a:t>Two-Way ANOVA Modeling</a:t>
             </a:r>
           </a:p>
         </p:txBody>
@@ -19328,7 +19328,7 @@
           <a:p>
             <a:r>
               <a:rPr lang="en-US" dirty="0"/>
-              <a:t>Two-Way ANOVA Modelling</a:t>
+              <a:t>Two-Way ANOVA Modeling</a:t>
             </a:r>
           </a:p>
         </p:txBody>
@@ -19518,8 +19518,13 @@
           <a:p>
             <a:r>
               <a:rPr lang="en-US" dirty="0"/>
-              <a:t>Two-Way ANOVA Modelling</a:t>
-            </a:r>
+              <a:t>Two-Way </a:t>
+            </a:r>
+            <a:r>
+              <a:rPr lang="en-US"/>
+              <a:t>ANOVA Modeling</a:t>
+            </a:r>
+            <a:endParaRPr lang="en-US" dirty="0"/>
           </a:p>
         </p:txBody>
       </p:sp>
@@ -20616,7 +20621,7 @@
             </a:r>
             <a:r>
               <a:rPr lang="en-US" dirty="0"/>
-              <a:t>value = 0.004 and sample mean = 324 then there is 0.4% probability of obtaining a difference of 4 unit, if the null hypothesis is true. This value is compare to alpha (say 0.5)</a:t>
+              <a:t>value = 0.004 and sample mean = 364 then there is 0.4% probability of obtaining a difference of 4 unit, if the null hypothesis is true. This value is compare to alpha (say 0.5)</a:t>
             </a:r>
           </a:p>
           <a:p>
